--- a/ppt 16-9/0231.十架七言.pptx
+++ b/ppt 16-9/0231.十架七言.pptx
@@ -129,7 +129,7 @@
           <p:cNvPr id="2" name="标题 1">
             <a:extLst>
               <a:ext uri="{FF2B5EF4-FFF2-40B4-BE49-F238E27FC236}">
-                <a16:creationId xmlns:a16="http://schemas.microsoft.com/office/drawing/2014/main" id="{A5700BBE-D843-6635-EB74-AC061501EDFB}"/>
+                <a16:creationId xmlns:a16="http://schemas.microsoft.com/office/drawing/2014/main" id="{C798FB03-81DB-406D-88BC-5DCA187B4AF2}"/>
               </a:ext>
             </a:extLst>
           </p:cNvPr>
@@ -166,7 +166,7 @@
           <p:cNvPr id="3" name="副标题 2">
             <a:extLst>
               <a:ext uri="{FF2B5EF4-FFF2-40B4-BE49-F238E27FC236}">
-                <a16:creationId xmlns:a16="http://schemas.microsoft.com/office/drawing/2014/main" id="{DB9B9DD4-0B06-7DC9-15E6-0FB3A62F20F3}"/>
+                <a16:creationId xmlns:a16="http://schemas.microsoft.com/office/drawing/2014/main" id="{8CD9A317-0EAC-A453-9F9C-1310B7DCB6FD}"/>
               </a:ext>
             </a:extLst>
           </p:cNvPr>
@@ -236,7 +236,7 @@
           <p:cNvPr id="4" name="日期占位符 3">
             <a:extLst>
               <a:ext uri="{FF2B5EF4-FFF2-40B4-BE49-F238E27FC236}">
-                <a16:creationId xmlns:a16="http://schemas.microsoft.com/office/drawing/2014/main" id="{6C97190C-5201-E9FE-808F-82530136238E}"/>
+                <a16:creationId xmlns:a16="http://schemas.microsoft.com/office/drawing/2014/main" id="{E9492C4B-15F9-603C-B3F5-47C697E2E892}"/>
               </a:ext>
             </a:extLst>
           </p:cNvPr>
@@ -252,7 +252,7 @@
           <a:bodyPr/>
           <a:lstStyle/>
           <a:p>
-            <a:fld id="{6979A600-84A1-49EA-BDCD-B662D39288E4}" type="datetimeFigureOut">
+            <a:fld id="{EF484A12-1459-46ED-B225-2A8CCCDD5D89}" type="datetimeFigureOut">
               <a:rPr lang="zh-CN" altLang="en-US" smtClean="0"/>
               <a:t>2024/3/10</a:t>
             </a:fld>
@@ -265,7 +265,7 @@
           <p:cNvPr id="5" name="页脚占位符 4">
             <a:extLst>
               <a:ext uri="{FF2B5EF4-FFF2-40B4-BE49-F238E27FC236}">
-                <a16:creationId xmlns:a16="http://schemas.microsoft.com/office/drawing/2014/main" id="{D027BEB4-1963-BBAC-4454-EC9D84C6AFA1}"/>
+                <a16:creationId xmlns:a16="http://schemas.microsoft.com/office/drawing/2014/main" id="{C1208BDA-CBBF-FE72-C866-F2265B05966A}"/>
               </a:ext>
             </a:extLst>
           </p:cNvPr>
@@ -290,7 +290,7 @@
           <p:cNvPr id="6" name="灯片编号占位符 5">
             <a:extLst>
               <a:ext uri="{FF2B5EF4-FFF2-40B4-BE49-F238E27FC236}">
-                <a16:creationId xmlns:a16="http://schemas.microsoft.com/office/drawing/2014/main" id="{08D33974-ADA2-6410-78EF-8696A23A3A77}"/>
+                <a16:creationId xmlns:a16="http://schemas.microsoft.com/office/drawing/2014/main" id="{97F5C355-3875-D1F5-3254-23737A680629}"/>
               </a:ext>
             </a:extLst>
           </p:cNvPr>
@@ -306,7 +306,7 @@
           <a:bodyPr/>
           <a:lstStyle/>
           <a:p>
-            <a:fld id="{E262B761-3F9A-48A1-BB53-A8195D175728}" type="slidenum">
+            <a:fld id="{6BDEA1DD-5A30-4703-9E3E-6A389442AFDC}" type="slidenum">
               <a:rPr lang="zh-CN" altLang="en-US" smtClean="0"/>
               <a:t>‹#›</a:t>
             </a:fld>
@@ -317,7 +317,7 @@
     </p:spTree>
     <p:extLst>
       <p:ext uri="{BB962C8B-B14F-4D97-AF65-F5344CB8AC3E}">
-        <p14:creationId xmlns:p14="http://schemas.microsoft.com/office/powerpoint/2010/main" val="2760913592"/>
+        <p14:creationId xmlns:p14="http://schemas.microsoft.com/office/powerpoint/2010/main" val="547685610"/>
       </p:ext>
     </p:extLst>
   </p:cSld>
@@ -349,7 +349,7 @@
           <p:cNvPr id="2" name="标题 1">
             <a:extLst>
               <a:ext uri="{FF2B5EF4-FFF2-40B4-BE49-F238E27FC236}">
-                <a16:creationId xmlns:a16="http://schemas.microsoft.com/office/drawing/2014/main" id="{5B88321B-2C3A-AB06-23C9-AFCBD9B24E99}"/>
+                <a16:creationId xmlns:a16="http://schemas.microsoft.com/office/drawing/2014/main" id="{BF68574C-A074-D4CB-D8C8-F7BD66B1C04C}"/>
               </a:ext>
             </a:extLst>
           </p:cNvPr>
@@ -377,7 +377,7 @@
           <p:cNvPr id="3" name="竖排文字占位符 2">
             <a:extLst>
               <a:ext uri="{FF2B5EF4-FFF2-40B4-BE49-F238E27FC236}">
-                <a16:creationId xmlns:a16="http://schemas.microsoft.com/office/drawing/2014/main" id="{5A727B89-1366-DB16-9C82-B5D57023902D}"/>
+                <a16:creationId xmlns:a16="http://schemas.microsoft.com/office/drawing/2014/main" id="{24918BA7-3000-AA98-DE80-AB588D8A743F}"/>
               </a:ext>
             </a:extLst>
           </p:cNvPr>
@@ -434,7 +434,7 @@
           <p:cNvPr id="4" name="日期占位符 3">
             <a:extLst>
               <a:ext uri="{FF2B5EF4-FFF2-40B4-BE49-F238E27FC236}">
-                <a16:creationId xmlns:a16="http://schemas.microsoft.com/office/drawing/2014/main" id="{D3B6F37E-1514-5E89-76D4-778CF9E10627}"/>
+                <a16:creationId xmlns:a16="http://schemas.microsoft.com/office/drawing/2014/main" id="{694381A3-47C7-346D-2127-4E80B048EC85}"/>
               </a:ext>
             </a:extLst>
           </p:cNvPr>
@@ -450,7 +450,7 @@
           <a:bodyPr/>
           <a:lstStyle/>
           <a:p>
-            <a:fld id="{6979A600-84A1-49EA-BDCD-B662D39288E4}" type="datetimeFigureOut">
+            <a:fld id="{EF484A12-1459-46ED-B225-2A8CCCDD5D89}" type="datetimeFigureOut">
               <a:rPr lang="zh-CN" altLang="en-US" smtClean="0"/>
               <a:t>2024/3/10</a:t>
             </a:fld>
@@ -463,7 +463,7 @@
           <p:cNvPr id="5" name="页脚占位符 4">
             <a:extLst>
               <a:ext uri="{FF2B5EF4-FFF2-40B4-BE49-F238E27FC236}">
-                <a16:creationId xmlns:a16="http://schemas.microsoft.com/office/drawing/2014/main" id="{5B342F1E-91D9-919D-82B5-9D14AD9CEBF1}"/>
+                <a16:creationId xmlns:a16="http://schemas.microsoft.com/office/drawing/2014/main" id="{5364CEA9-11D4-E63F-5AD0-1854A901275C}"/>
               </a:ext>
             </a:extLst>
           </p:cNvPr>
@@ -488,7 +488,7 @@
           <p:cNvPr id="6" name="灯片编号占位符 5">
             <a:extLst>
               <a:ext uri="{FF2B5EF4-FFF2-40B4-BE49-F238E27FC236}">
-                <a16:creationId xmlns:a16="http://schemas.microsoft.com/office/drawing/2014/main" id="{FFC9D68A-6838-41EC-B592-A72E5A376352}"/>
+                <a16:creationId xmlns:a16="http://schemas.microsoft.com/office/drawing/2014/main" id="{7C0D784B-C397-234B-0425-E265235E9A03}"/>
               </a:ext>
             </a:extLst>
           </p:cNvPr>
@@ -504,7 +504,7 @@
           <a:bodyPr/>
           <a:lstStyle/>
           <a:p>
-            <a:fld id="{E262B761-3F9A-48A1-BB53-A8195D175728}" type="slidenum">
+            <a:fld id="{6BDEA1DD-5A30-4703-9E3E-6A389442AFDC}" type="slidenum">
               <a:rPr lang="zh-CN" altLang="en-US" smtClean="0"/>
               <a:t>‹#›</a:t>
             </a:fld>
@@ -515,7 +515,7 @@
     </p:spTree>
     <p:extLst>
       <p:ext uri="{BB962C8B-B14F-4D97-AF65-F5344CB8AC3E}">
-        <p14:creationId xmlns:p14="http://schemas.microsoft.com/office/powerpoint/2010/main" val="3828913665"/>
+        <p14:creationId xmlns:p14="http://schemas.microsoft.com/office/powerpoint/2010/main" val="953769194"/>
       </p:ext>
     </p:extLst>
   </p:cSld>
@@ -547,7 +547,7 @@
           <p:cNvPr id="2" name="竖排标题 1">
             <a:extLst>
               <a:ext uri="{FF2B5EF4-FFF2-40B4-BE49-F238E27FC236}">
-                <a16:creationId xmlns:a16="http://schemas.microsoft.com/office/drawing/2014/main" id="{83F3C0EE-32D9-1FBF-A0CF-C101662401B9}"/>
+                <a16:creationId xmlns:a16="http://schemas.microsoft.com/office/drawing/2014/main" id="{24A2943F-C575-BF31-2C36-75DFA6845B99}"/>
               </a:ext>
             </a:extLst>
           </p:cNvPr>
@@ -580,7 +580,7 @@
           <p:cNvPr id="3" name="竖排文字占位符 2">
             <a:extLst>
               <a:ext uri="{FF2B5EF4-FFF2-40B4-BE49-F238E27FC236}">
-                <a16:creationId xmlns:a16="http://schemas.microsoft.com/office/drawing/2014/main" id="{1F983BD4-543D-6CB5-8494-591057F95283}"/>
+                <a16:creationId xmlns:a16="http://schemas.microsoft.com/office/drawing/2014/main" id="{3D66F7A9-CC9A-FDD1-77C3-CA7AFB474D14}"/>
               </a:ext>
             </a:extLst>
           </p:cNvPr>
@@ -642,7 +642,7 @@
           <p:cNvPr id="4" name="日期占位符 3">
             <a:extLst>
               <a:ext uri="{FF2B5EF4-FFF2-40B4-BE49-F238E27FC236}">
-                <a16:creationId xmlns:a16="http://schemas.microsoft.com/office/drawing/2014/main" id="{2EBDCAB7-D86A-AFBD-8FAD-5FF7515B1A28}"/>
+                <a16:creationId xmlns:a16="http://schemas.microsoft.com/office/drawing/2014/main" id="{8C0C3CDF-04A9-A7EE-2733-B128B93A9A7C}"/>
               </a:ext>
             </a:extLst>
           </p:cNvPr>
@@ -658,7 +658,7 @@
           <a:bodyPr/>
           <a:lstStyle/>
           <a:p>
-            <a:fld id="{6979A600-84A1-49EA-BDCD-B662D39288E4}" type="datetimeFigureOut">
+            <a:fld id="{EF484A12-1459-46ED-B225-2A8CCCDD5D89}" type="datetimeFigureOut">
               <a:rPr lang="zh-CN" altLang="en-US" smtClean="0"/>
               <a:t>2024/3/10</a:t>
             </a:fld>
@@ -671,7 +671,7 @@
           <p:cNvPr id="5" name="页脚占位符 4">
             <a:extLst>
               <a:ext uri="{FF2B5EF4-FFF2-40B4-BE49-F238E27FC236}">
-                <a16:creationId xmlns:a16="http://schemas.microsoft.com/office/drawing/2014/main" id="{B382B01A-8EE5-3DF4-2AA5-2A7B0E8B84C4}"/>
+                <a16:creationId xmlns:a16="http://schemas.microsoft.com/office/drawing/2014/main" id="{FD3B9535-1C0F-B218-B493-E0905724CF91}"/>
               </a:ext>
             </a:extLst>
           </p:cNvPr>
@@ -696,7 +696,7 @@
           <p:cNvPr id="6" name="灯片编号占位符 5">
             <a:extLst>
               <a:ext uri="{FF2B5EF4-FFF2-40B4-BE49-F238E27FC236}">
-                <a16:creationId xmlns:a16="http://schemas.microsoft.com/office/drawing/2014/main" id="{883D7C3A-0EE5-B343-F053-E4904ADDFD9D}"/>
+                <a16:creationId xmlns:a16="http://schemas.microsoft.com/office/drawing/2014/main" id="{6A9AC6BA-0261-2B84-DF15-1790944630A8}"/>
               </a:ext>
             </a:extLst>
           </p:cNvPr>
@@ -712,7 +712,7 @@
           <a:bodyPr/>
           <a:lstStyle/>
           <a:p>
-            <a:fld id="{E262B761-3F9A-48A1-BB53-A8195D175728}" type="slidenum">
+            <a:fld id="{6BDEA1DD-5A30-4703-9E3E-6A389442AFDC}" type="slidenum">
               <a:rPr lang="zh-CN" altLang="en-US" smtClean="0"/>
               <a:t>‹#›</a:t>
             </a:fld>
@@ -723,7 +723,7 @@
     </p:spTree>
     <p:extLst>
       <p:ext uri="{BB962C8B-B14F-4D97-AF65-F5344CB8AC3E}">
-        <p14:creationId xmlns:p14="http://schemas.microsoft.com/office/powerpoint/2010/main" val="2259056011"/>
+        <p14:creationId xmlns:p14="http://schemas.microsoft.com/office/powerpoint/2010/main" val="570482180"/>
       </p:ext>
     </p:extLst>
   </p:cSld>
@@ -755,7 +755,7 @@
           <p:cNvPr id="2" name="标题 1">
             <a:extLst>
               <a:ext uri="{FF2B5EF4-FFF2-40B4-BE49-F238E27FC236}">
-                <a16:creationId xmlns:a16="http://schemas.microsoft.com/office/drawing/2014/main" id="{EC3B1E3E-C0C4-3FFC-FEC8-4CC79A0FCD6D}"/>
+                <a16:creationId xmlns:a16="http://schemas.microsoft.com/office/drawing/2014/main" id="{F5280890-3CD7-4CE5-341C-60FBF0CBBD77}"/>
               </a:ext>
             </a:extLst>
           </p:cNvPr>
@@ -783,7 +783,7 @@
           <p:cNvPr id="3" name="内容占位符 2">
             <a:extLst>
               <a:ext uri="{FF2B5EF4-FFF2-40B4-BE49-F238E27FC236}">
-                <a16:creationId xmlns:a16="http://schemas.microsoft.com/office/drawing/2014/main" id="{3A329BD2-3678-F1FB-6FC9-01911B7BC496}"/>
+                <a16:creationId xmlns:a16="http://schemas.microsoft.com/office/drawing/2014/main" id="{5E4F104A-59EC-1DBB-57E9-8DFEB48EB1E3}"/>
               </a:ext>
             </a:extLst>
           </p:cNvPr>
@@ -840,7 +840,7 @@
           <p:cNvPr id="4" name="日期占位符 3">
             <a:extLst>
               <a:ext uri="{FF2B5EF4-FFF2-40B4-BE49-F238E27FC236}">
-                <a16:creationId xmlns:a16="http://schemas.microsoft.com/office/drawing/2014/main" id="{46CC1710-BA15-F703-DD76-922E981E71DB}"/>
+                <a16:creationId xmlns:a16="http://schemas.microsoft.com/office/drawing/2014/main" id="{CD093A46-243F-354A-C7C9-4472902589B3}"/>
               </a:ext>
             </a:extLst>
           </p:cNvPr>
@@ -856,7 +856,7 @@
           <a:bodyPr/>
           <a:lstStyle/>
           <a:p>
-            <a:fld id="{6979A600-84A1-49EA-BDCD-B662D39288E4}" type="datetimeFigureOut">
+            <a:fld id="{EF484A12-1459-46ED-B225-2A8CCCDD5D89}" type="datetimeFigureOut">
               <a:rPr lang="zh-CN" altLang="en-US" smtClean="0"/>
               <a:t>2024/3/10</a:t>
             </a:fld>
@@ -869,7 +869,7 @@
           <p:cNvPr id="5" name="页脚占位符 4">
             <a:extLst>
               <a:ext uri="{FF2B5EF4-FFF2-40B4-BE49-F238E27FC236}">
-                <a16:creationId xmlns:a16="http://schemas.microsoft.com/office/drawing/2014/main" id="{6BCD38CA-D748-9E18-A2E3-493DA86675C2}"/>
+                <a16:creationId xmlns:a16="http://schemas.microsoft.com/office/drawing/2014/main" id="{8DE59BBF-079A-8691-73A9-260EE7E61E5F}"/>
               </a:ext>
             </a:extLst>
           </p:cNvPr>
@@ -894,7 +894,7 @@
           <p:cNvPr id="6" name="灯片编号占位符 5">
             <a:extLst>
               <a:ext uri="{FF2B5EF4-FFF2-40B4-BE49-F238E27FC236}">
-                <a16:creationId xmlns:a16="http://schemas.microsoft.com/office/drawing/2014/main" id="{5F331B51-795B-627E-1BDD-F91D50D0524D}"/>
+                <a16:creationId xmlns:a16="http://schemas.microsoft.com/office/drawing/2014/main" id="{E16FDD07-EB14-414F-31A6-81681103E7F2}"/>
               </a:ext>
             </a:extLst>
           </p:cNvPr>
@@ -910,7 +910,7 @@
           <a:bodyPr/>
           <a:lstStyle/>
           <a:p>
-            <a:fld id="{E262B761-3F9A-48A1-BB53-A8195D175728}" type="slidenum">
+            <a:fld id="{6BDEA1DD-5A30-4703-9E3E-6A389442AFDC}" type="slidenum">
               <a:rPr lang="zh-CN" altLang="en-US" smtClean="0"/>
               <a:t>‹#›</a:t>
             </a:fld>
@@ -921,7 +921,7 @@
     </p:spTree>
     <p:extLst>
       <p:ext uri="{BB962C8B-B14F-4D97-AF65-F5344CB8AC3E}">
-        <p14:creationId xmlns:p14="http://schemas.microsoft.com/office/powerpoint/2010/main" val="2762060508"/>
+        <p14:creationId xmlns:p14="http://schemas.microsoft.com/office/powerpoint/2010/main" val="1366282084"/>
       </p:ext>
     </p:extLst>
   </p:cSld>
@@ -953,7 +953,7 @@
           <p:cNvPr id="2" name="标题 1">
             <a:extLst>
               <a:ext uri="{FF2B5EF4-FFF2-40B4-BE49-F238E27FC236}">
-                <a16:creationId xmlns:a16="http://schemas.microsoft.com/office/drawing/2014/main" id="{CC58EC97-3C67-B98C-5799-93A678C83E5F}"/>
+                <a16:creationId xmlns:a16="http://schemas.microsoft.com/office/drawing/2014/main" id="{F073F9A5-5AF5-A7B5-FA47-9CD37B9FD679}"/>
               </a:ext>
             </a:extLst>
           </p:cNvPr>
@@ -990,7 +990,7 @@
           <p:cNvPr id="3" name="文本占位符 2">
             <a:extLst>
               <a:ext uri="{FF2B5EF4-FFF2-40B4-BE49-F238E27FC236}">
-                <a16:creationId xmlns:a16="http://schemas.microsoft.com/office/drawing/2014/main" id="{3FFD5AAB-F21B-E13C-D82D-94BF2C956D11}"/>
+                <a16:creationId xmlns:a16="http://schemas.microsoft.com/office/drawing/2014/main" id="{CB36802E-7503-2BC8-DABE-A4706FB3F1DB}"/>
               </a:ext>
             </a:extLst>
           </p:cNvPr>
@@ -1115,7 +1115,7 @@
           <p:cNvPr id="4" name="日期占位符 3">
             <a:extLst>
               <a:ext uri="{FF2B5EF4-FFF2-40B4-BE49-F238E27FC236}">
-                <a16:creationId xmlns:a16="http://schemas.microsoft.com/office/drawing/2014/main" id="{472FC0D9-CA42-2374-A3D3-BF0B7383A77E}"/>
+                <a16:creationId xmlns:a16="http://schemas.microsoft.com/office/drawing/2014/main" id="{DCD9D18D-DD36-B79A-00EA-97D39D4081B6}"/>
               </a:ext>
             </a:extLst>
           </p:cNvPr>
@@ -1131,7 +1131,7 @@
           <a:bodyPr/>
           <a:lstStyle/>
           <a:p>
-            <a:fld id="{6979A600-84A1-49EA-BDCD-B662D39288E4}" type="datetimeFigureOut">
+            <a:fld id="{EF484A12-1459-46ED-B225-2A8CCCDD5D89}" type="datetimeFigureOut">
               <a:rPr lang="zh-CN" altLang="en-US" smtClean="0"/>
               <a:t>2024/3/10</a:t>
             </a:fld>
@@ -1144,7 +1144,7 @@
           <p:cNvPr id="5" name="页脚占位符 4">
             <a:extLst>
               <a:ext uri="{FF2B5EF4-FFF2-40B4-BE49-F238E27FC236}">
-                <a16:creationId xmlns:a16="http://schemas.microsoft.com/office/drawing/2014/main" id="{3C18C7BE-73DD-F53B-77B3-DB75B8CBFE14}"/>
+                <a16:creationId xmlns:a16="http://schemas.microsoft.com/office/drawing/2014/main" id="{DC392BB8-8F7D-69B4-DE63-BBD4A71217C7}"/>
               </a:ext>
             </a:extLst>
           </p:cNvPr>
@@ -1169,7 +1169,7 @@
           <p:cNvPr id="6" name="灯片编号占位符 5">
             <a:extLst>
               <a:ext uri="{FF2B5EF4-FFF2-40B4-BE49-F238E27FC236}">
-                <a16:creationId xmlns:a16="http://schemas.microsoft.com/office/drawing/2014/main" id="{060642E9-2E9E-7ABF-C614-0275A6A04B6A}"/>
+                <a16:creationId xmlns:a16="http://schemas.microsoft.com/office/drawing/2014/main" id="{1263057E-E63C-FF74-58AD-90BF31B05F19}"/>
               </a:ext>
             </a:extLst>
           </p:cNvPr>
@@ -1185,7 +1185,7 @@
           <a:bodyPr/>
           <a:lstStyle/>
           <a:p>
-            <a:fld id="{E262B761-3F9A-48A1-BB53-A8195D175728}" type="slidenum">
+            <a:fld id="{6BDEA1DD-5A30-4703-9E3E-6A389442AFDC}" type="slidenum">
               <a:rPr lang="zh-CN" altLang="en-US" smtClean="0"/>
               <a:t>‹#›</a:t>
             </a:fld>
@@ -1196,7 +1196,7 @@
     </p:spTree>
     <p:extLst>
       <p:ext uri="{BB962C8B-B14F-4D97-AF65-F5344CB8AC3E}">
-        <p14:creationId xmlns:p14="http://schemas.microsoft.com/office/powerpoint/2010/main" val="812395581"/>
+        <p14:creationId xmlns:p14="http://schemas.microsoft.com/office/powerpoint/2010/main" val="3153477533"/>
       </p:ext>
     </p:extLst>
   </p:cSld>
@@ -1228,7 +1228,7 @@
           <p:cNvPr id="2" name="标题 1">
             <a:extLst>
               <a:ext uri="{FF2B5EF4-FFF2-40B4-BE49-F238E27FC236}">
-                <a16:creationId xmlns:a16="http://schemas.microsoft.com/office/drawing/2014/main" id="{C1B07D3B-C2E0-1187-DD88-BF4934E5E56E}"/>
+                <a16:creationId xmlns:a16="http://schemas.microsoft.com/office/drawing/2014/main" id="{B20796A5-74AF-F318-18EA-37F991A82024}"/>
               </a:ext>
             </a:extLst>
           </p:cNvPr>
@@ -1256,7 +1256,7 @@
           <p:cNvPr id="3" name="内容占位符 2">
             <a:extLst>
               <a:ext uri="{FF2B5EF4-FFF2-40B4-BE49-F238E27FC236}">
-                <a16:creationId xmlns:a16="http://schemas.microsoft.com/office/drawing/2014/main" id="{52579CEA-0B1C-7488-766E-B8D0D952C035}"/>
+                <a16:creationId xmlns:a16="http://schemas.microsoft.com/office/drawing/2014/main" id="{C5A009E8-8E89-DD77-A23B-426E23C2C4E1}"/>
               </a:ext>
             </a:extLst>
           </p:cNvPr>
@@ -1318,7 +1318,7 @@
           <p:cNvPr id="4" name="内容占位符 3">
             <a:extLst>
               <a:ext uri="{FF2B5EF4-FFF2-40B4-BE49-F238E27FC236}">
-                <a16:creationId xmlns:a16="http://schemas.microsoft.com/office/drawing/2014/main" id="{C2D98A89-3593-74B6-86A8-87B8E8A4E329}"/>
+                <a16:creationId xmlns:a16="http://schemas.microsoft.com/office/drawing/2014/main" id="{40057254-CB27-8588-5FAB-242F3F790A71}"/>
               </a:ext>
             </a:extLst>
           </p:cNvPr>
@@ -1380,7 +1380,7 @@
           <p:cNvPr id="5" name="日期占位符 4">
             <a:extLst>
               <a:ext uri="{FF2B5EF4-FFF2-40B4-BE49-F238E27FC236}">
-                <a16:creationId xmlns:a16="http://schemas.microsoft.com/office/drawing/2014/main" id="{DFD84135-B65A-A556-1551-02AF86EEED34}"/>
+                <a16:creationId xmlns:a16="http://schemas.microsoft.com/office/drawing/2014/main" id="{2DEED9F0-C22B-4BE0-D68B-9D674621EAD2}"/>
               </a:ext>
             </a:extLst>
           </p:cNvPr>
@@ -1396,7 +1396,7 @@
           <a:bodyPr/>
           <a:lstStyle/>
           <a:p>
-            <a:fld id="{6979A600-84A1-49EA-BDCD-B662D39288E4}" type="datetimeFigureOut">
+            <a:fld id="{EF484A12-1459-46ED-B225-2A8CCCDD5D89}" type="datetimeFigureOut">
               <a:rPr lang="zh-CN" altLang="en-US" smtClean="0"/>
               <a:t>2024/3/10</a:t>
             </a:fld>
@@ -1409,7 +1409,7 @@
           <p:cNvPr id="6" name="页脚占位符 5">
             <a:extLst>
               <a:ext uri="{FF2B5EF4-FFF2-40B4-BE49-F238E27FC236}">
-                <a16:creationId xmlns:a16="http://schemas.microsoft.com/office/drawing/2014/main" id="{7183DE54-7B52-8D53-F419-30F487890A6D}"/>
+                <a16:creationId xmlns:a16="http://schemas.microsoft.com/office/drawing/2014/main" id="{EB9C305B-1E35-1727-433A-D32325D47289}"/>
               </a:ext>
             </a:extLst>
           </p:cNvPr>
@@ -1434,7 +1434,7 @@
           <p:cNvPr id="7" name="灯片编号占位符 6">
             <a:extLst>
               <a:ext uri="{FF2B5EF4-FFF2-40B4-BE49-F238E27FC236}">
-                <a16:creationId xmlns:a16="http://schemas.microsoft.com/office/drawing/2014/main" id="{0A82833B-CF7C-ADE5-C901-4ADD7DF7A720}"/>
+                <a16:creationId xmlns:a16="http://schemas.microsoft.com/office/drawing/2014/main" id="{72412D9C-9D4C-36B5-B7EE-217333A83EEF}"/>
               </a:ext>
             </a:extLst>
           </p:cNvPr>
@@ -1450,7 +1450,7 @@
           <a:bodyPr/>
           <a:lstStyle/>
           <a:p>
-            <a:fld id="{E262B761-3F9A-48A1-BB53-A8195D175728}" type="slidenum">
+            <a:fld id="{6BDEA1DD-5A30-4703-9E3E-6A389442AFDC}" type="slidenum">
               <a:rPr lang="zh-CN" altLang="en-US" smtClean="0"/>
               <a:t>‹#›</a:t>
             </a:fld>
@@ -1461,7 +1461,7 @@
     </p:spTree>
     <p:extLst>
       <p:ext uri="{BB962C8B-B14F-4D97-AF65-F5344CB8AC3E}">
-        <p14:creationId xmlns:p14="http://schemas.microsoft.com/office/powerpoint/2010/main" val="1071217792"/>
+        <p14:creationId xmlns:p14="http://schemas.microsoft.com/office/powerpoint/2010/main" val="432969537"/>
       </p:ext>
     </p:extLst>
   </p:cSld>
@@ -1493,7 +1493,7 @@
           <p:cNvPr id="2" name="标题 1">
             <a:extLst>
               <a:ext uri="{FF2B5EF4-FFF2-40B4-BE49-F238E27FC236}">
-                <a16:creationId xmlns:a16="http://schemas.microsoft.com/office/drawing/2014/main" id="{5DD626DC-A729-84D5-AAA5-5590CE6D7FDA}"/>
+                <a16:creationId xmlns:a16="http://schemas.microsoft.com/office/drawing/2014/main" id="{0AEB484B-107D-7687-BBC8-90C15F55C41E}"/>
               </a:ext>
             </a:extLst>
           </p:cNvPr>
@@ -1526,7 +1526,7 @@
           <p:cNvPr id="3" name="文本占位符 2">
             <a:extLst>
               <a:ext uri="{FF2B5EF4-FFF2-40B4-BE49-F238E27FC236}">
-                <a16:creationId xmlns:a16="http://schemas.microsoft.com/office/drawing/2014/main" id="{EBAA6493-2B0A-5986-D62E-9BE053D029F8}"/>
+                <a16:creationId xmlns:a16="http://schemas.microsoft.com/office/drawing/2014/main" id="{F7FC92C0-D49D-0F2A-9B3F-83E927DAED5B}"/>
               </a:ext>
             </a:extLst>
           </p:cNvPr>
@@ -1597,7 +1597,7 @@
           <p:cNvPr id="4" name="内容占位符 3">
             <a:extLst>
               <a:ext uri="{FF2B5EF4-FFF2-40B4-BE49-F238E27FC236}">
-                <a16:creationId xmlns:a16="http://schemas.microsoft.com/office/drawing/2014/main" id="{53601603-D279-249A-801A-422CD53BD811}"/>
+                <a16:creationId xmlns:a16="http://schemas.microsoft.com/office/drawing/2014/main" id="{11C13A18-818D-C119-A2D6-AF588D0D3A9A}"/>
               </a:ext>
             </a:extLst>
           </p:cNvPr>
@@ -1659,7 +1659,7 @@
           <p:cNvPr id="5" name="文本占位符 4">
             <a:extLst>
               <a:ext uri="{FF2B5EF4-FFF2-40B4-BE49-F238E27FC236}">
-                <a16:creationId xmlns:a16="http://schemas.microsoft.com/office/drawing/2014/main" id="{BFDED3FB-FDF0-AB37-280B-3C3AED1F8AF5}"/>
+                <a16:creationId xmlns:a16="http://schemas.microsoft.com/office/drawing/2014/main" id="{8E310EA6-5B40-2DB1-A3AA-9A494ADF3EBA}"/>
               </a:ext>
             </a:extLst>
           </p:cNvPr>
@@ -1730,7 +1730,7 @@
           <p:cNvPr id="6" name="内容占位符 5">
             <a:extLst>
               <a:ext uri="{FF2B5EF4-FFF2-40B4-BE49-F238E27FC236}">
-                <a16:creationId xmlns:a16="http://schemas.microsoft.com/office/drawing/2014/main" id="{6EFAEC2D-8575-B7C6-E2D8-E598AA38D8E2}"/>
+                <a16:creationId xmlns:a16="http://schemas.microsoft.com/office/drawing/2014/main" id="{7EE305E3-F183-860D-ED45-00D32D279BD7}"/>
               </a:ext>
             </a:extLst>
           </p:cNvPr>
@@ -1792,7 +1792,7 @@
           <p:cNvPr id="7" name="日期占位符 6">
             <a:extLst>
               <a:ext uri="{FF2B5EF4-FFF2-40B4-BE49-F238E27FC236}">
-                <a16:creationId xmlns:a16="http://schemas.microsoft.com/office/drawing/2014/main" id="{66705A8F-6665-9368-48AE-06EA6F101DDD}"/>
+                <a16:creationId xmlns:a16="http://schemas.microsoft.com/office/drawing/2014/main" id="{51D31977-7000-BED6-61BE-8C0D172E8DCF}"/>
               </a:ext>
             </a:extLst>
           </p:cNvPr>
@@ -1808,7 +1808,7 @@
           <a:bodyPr/>
           <a:lstStyle/>
           <a:p>
-            <a:fld id="{6979A600-84A1-49EA-BDCD-B662D39288E4}" type="datetimeFigureOut">
+            <a:fld id="{EF484A12-1459-46ED-B225-2A8CCCDD5D89}" type="datetimeFigureOut">
               <a:rPr lang="zh-CN" altLang="en-US" smtClean="0"/>
               <a:t>2024/3/10</a:t>
             </a:fld>
@@ -1821,7 +1821,7 @@
           <p:cNvPr id="8" name="页脚占位符 7">
             <a:extLst>
               <a:ext uri="{FF2B5EF4-FFF2-40B4-BE49-F238E27FC236}">
-                <a16:creationId xmlns:a16="http://schemas.microsoft.com/office/drawing/2014/main" id="{42C964CE-A715-92BC-8791-0E2EECE04966}"/>
+                <a16:creationId xmlns:a16="http://schemas.microsoft.com/office/drawing/2014/main" id="{3C05C57B-59F7-41FE-9106-632581A5D6A1}"/>
               </a:ext>
             </a:extLst>
           </p:cNvPr>
@@ -1846,7 +1846,7 @@
           <p:cNvPr id="9" name="灯片编号占位符 8">
             <a:extLst>
               <a:ext uri="{FF2B5EF4-FFF2-40B4-BE49-F238E27FC236}">
-                <a16:creationId xmlns:a16="http://schemas.microsoft.com/office/drawing/2014/main" id="{00B9602D-C244-931B-5FD8-50912912B65B}"/>
+                <a16:creationId xmlns:a16="http://schemas.microsoft.com/office/drawing/2014/main" id="{55D2FD4B-4196-F530-B695-0EE49D05756B}"/>
               </a:ext>
             </a:extLst>
           </p:cNvPr>
@@ -1862,7 +1862,7 @@
           <a:bodyPr/>
           <a:lstStyle/>
           <a:p>
-            <a:fld id="{E262B761-3F9A-48A1-BB53-A8195D175728}" type="slidenum">
+            <a:fld id="{6BDEA1DD-5A30-4703-9E3E-6A389442AFDC}" type="slidenum">
               <a:rPr lang="zh-CN" altLang="en-US" smtClean="0"/>
               <a:t>‹#›</a:t>
             </a:fld>
@@ -1873,7 +1873,7 @@
     </p:spTree>
     <p:extLst>
       <p:ext uri="{BB962C8B-B14F-4D97-AF65-F5344CB8AC3E}">
-        <p14:creationId xmlns:p14="http://schemas.microsoft.com/office/powerpoint/2010/main" val="2462589359"/>
+        <p14:creationId xmlns:p14="http://schemas.microsoft.com/office/powerpoint/2010/main" val="1623395203"/>
       </p:ext>
     </p:extLst>
   </p:cSld>
@@ -1905,7 +1905,7 @@
           <p:cNvPr id="2" name="标题 1">
             <a:extLst>
               <a:ext uri="{FF2B5EF4-FFF2-40B4-BE49-F238E27FC236}">
-                <a16:creationId xmlns:a16="http://schemas.microsoft.com/office/drawing/2014/main" id="{994D2AED-6A9E-50AA-FC00-79443FEE1974}"/>
+                <a16:creationId xmlns:a16="http://schemas.microsoft.com/office/drawing/2014/main" id="{CB44EC42-0B0F-21FD-32E7-FE90555566B9}"/>
               </a:ext>
             </a:extLst>
           </p:cNvPr>
@@ -1933,7 +1933,7 @@
           <p:cNvPr id="3" name="日期占位符 2">
             <a:extLst>
               <a:ext uri="{FF2B5EF4-FFF2-40B4-BE49-F238E27FC236}">
-                <a16:creationId xmlns:a16="http://schemas.microsoft.com/office/drawing/2014/main" id="{24F692C0-0177-81E5-3363-A3EFD17FC899}"/>
+                <a16:creationId xmlns:a16="http://schemas.microsoft.com/office/drawing/2014/main" id="{E784E5E0-867D-745E-6868-48C9152F532C}"/>
               </a:ext>
             </a:extLst>
           </p:cNvPr>
@@ -1949,7 +1949,7 @@
           <a:bodyPr/>
           <a:lstStyle/>
           <a:p>
-            <a:fld id="{6979A600-84A1-49EA-BDCD-B662D39288E4}" type="datetimeFigureOut">
+            <a:fld id="{EF484A12-1459-46ED-B225-2A8CCCDD5D89}" type="datetimeFigureOut">
               <a:rPr lang="zh-CN" altLang="en-US" smtClean="0"/>
               <a:t>2024/3/10</a:t>
             </a:fld>
@@ -1962,7 +1962,7 @@
           <p:cNvPr id="4" name="页脚占位符 3">
             <a:extLst>
               <a:ext uri="{FF2B5EF4-FFF2-40B4-BE49-F238E27FC236}">
-                <a16:creationId xmlns:a16="http://schemas.microsoft.com/office/drawing/2014/main" id="{13A5EE69-8608-512A-CEFB-094156329AD5}"/>
+                <a16:creationId xmlns:a16="http://schemas.microsoft.com/office/drawing/2014/main" id="{F706FA2F-4639-A89C-7067-F7823A4EDC0C}"/>
               </a:ext>
             </a:extLst>
           </p:cNvPr>
@@ -1987,7 +1987,7 @@
           <p:cNvPr id="5" name="灯片编号占位符 4">
             <a:extLst>
               <a:ext uri="{FF2B5EF4-FFF2-40B4-BE49-F238E27FC236}">
-                <a16:creationId xmlns:a16="http://schemas.microsoft.com/office/drawing/2014/main" id="{755D0A65-3A7C-C165-6A85-E7AB043B265B}"/>
+                <a16:creationId xmlns:a16="http://schemas.microsoft.com/office/drawing/2014/main" id="{19C059A3-C5B1-B1DB-751B-22B46509B644}"/>
               </a:ext>
             </a:extLst>
           </p:cNvPr>
@@ -2003,7 +2003,7 @@
           <a:bodyPr/>
           <a:lstStyle/>
           <a:p>
-            <a:fld id="{E262B761-3F9A-48A1-BB53-A8195D175728}" type="slidenum">
+            <a:fld id="{6BDEA1DD-5A30-4703-9E3E-6A389442AFDC}" type="slidenum">
               <a:rPr lang="zh-CN" altLang="en-US" smtClean="0"/>
               <a:t>‹#›</a:t>
             </a:fld>
@@ -2014,7 +2014,7 @@
     </p:spTree>
     <p:extLst>
       <p:ext uri="{BB962C8B-B14F-4D97-AF65-F5344CB8AC3E}">
-        <p14:creationId xmlns:p14="http://schemas.microsoft.com/office/powerpoint/2010/main" val="2518186493"/>
+        <p14:creationId xmlns:p14="http://schemas.microsoft.com/office/powerpoint/2010/main" val="3548328553"/>
       </p:ext>
     </p:extLst>
   </p:cSld>
@@ -2046,7 +2046,7 @@
           <p:cNvPr id="2" name="日期占位符 1">
             <a:extLst>
               <a:ext uri="{FF2B5EF4-FFF2-40B4-BE49-F238E27FC236}">
-                <a16:creationId xmlns:a16="http://schemas.microsoft.com/office/drawing/2014/main" id="{86DDC4BD-03D3-0AAC-1DBE-A602D13F8DE0}"/>
+                <a16:creationId xmlns:a16="http://schemas.microsoft.com/office/drawing/2014/main" id="{D74D85D4-ECAA-D131-29A4-C2C47649A63C}"/>
               </a:ext>
             </a:extLst>
           </p:cNvPr>
@@ -2062,7 +2062,7 @@
           <a:bodyPr/>
           <a:lstStyle/>
           <a:p>
-            <a:fld id="{6979A600-84A1-49EA-BDCD-B662D39288E4}" type="datetimeFigureOut">
+            <a:fld id="{EF484A12-1459-46ED-B225-2A8CCCDD5D89}" type="datetimeFigureOut">
               <a:rPr lang="zh-CN" altLang="en-US" smtClean="0"/>
               <a:t>2024/3/10</a:t>
             </a:fld>
@@ -2075,7 +2075,7 @@
           <p:cNvPr id="3" name="页脚占位符 2">
             <a:extLst>
               <a:ext uri="{FF2B5EF4-FFF2-40B4-BE49-F238E27FC236}">
-                <a16:creationId xmlns:a16="http://schemas.microsoft.com/office/drawing/2014/main" id="{04A7DEC2-5AA7-297C-8506-5ACE8CC4A1F4}"/>
+                <a16:creationId xmlns:a16="http://schemas.microsoft.com/office/drawing/2014/main" id="{F3D7524E-F878-4E75-29DA-498028D355AC}"/>
               </a:ext>
             </a:extLst>
           </p:cNvPr>
@@ -2100,7 +2100,7 @@
           <p:cNvPr id="4" name="灯片编号占位符 3">
             <a:extLst>
               <a:ext uri="{FF2B5EF4-FFF2-40B4-BE49-F238E27FC236}">
-                <a16:creationId xmlns:a16="http://schemas.microsoft.com/office/drawing/2014/main" id="{D0881EC8-7928-84FE-38F0-0C740E30F19D}"/>
+                <a16:creationId xmlns:a16="http://schemas.microsoft.com/office/drawing/2014/main" id="{3EB41838-8CAA-AFCC-AF49-435234AC1DCC}"/>
               </a:ext>
             </a:extLst>
           </p:cNvPr>
@@ -2116,7 +2116,7 @@
           <a:bodyPr/>
           <a:lstStyle/>
           <a:p>
-            <a:fld id="{E262B761-3F9A-48A1-BB53-A8195D175728}" type="slidenum">
+            <a:fld id="{6BDEA1DD-5A30-4703-9E3E-6A389442AFDC}" type="slidenum">
               <a:rPr lang="zh-CN" altLang="en-US" smtClean="0"/>
               <a:t>‹#›</a:t>
             </a:fld>
@@ -2127,7 +2127,7 @@
     </p:spTree>
     <p:extLst>
       <p:ext uri="{BB962C8B-B14F-4D97-AF65-F5344CB8AC3E}">
-        <p14:creationId xmlns:p14="http://schemas.microsoft.com/office/powerpoint/2010/main" val="2652108670"/>
+        <p14:creationId xmlns:p14="http://schemas.microsoft.com/office/powerpoint/2010/main" val="592003735"/>
       </p:ext>
     </p:extLst>
   </p:cSld>
@@ -2159,7 +2159,7 @@
           <p:cNvPr id="2" name="标题 1">
             <a:extLst>
               <a:ext uri="{FF2B5EF4-FFF2-40B4-BE49-F238E27FC236}">
-                <a16:creationId xmlns:a16="http://schemas.microsoft.com/office/drawing/2014/main" id="{4FA33DCB-AE60-6DEB-2149-06CD3643B86F}"/>
+                <a16:creationId xmlns:a16="http://schemas.microsoft.com/office/drawing/2014/main" id="{1ACB5651-10E0-1E60-2D58-124EF6BA95F0}"/>
               </a:ext>
             </a:extLst>
           </p:cNvPr>
@@ -2196,7 +2196,7 @@
           <p:cNvPr id="3" name="内容占位符 2">
             <a:extLst>
               <a:ext uri="{FF2B5EF4-FFF2-40B4-BE49-F238E27FC236}">
-                <a16:creationId xmlns:a16="http://schemas.microsoft.com/office/drawing/2014/main" id="{083F4022-9991-B533-33CA-F11F88C74613}"/>
+                <a16:creationId xmlns:a16="http://schemas.microsoft.com/office/drawing/2014/main" id="{26765DA4-453E-73AC-31F6-6D5E01480EAE}"/>
               </a:ext>
             </a:extLst>
           </p:cNvPr>
@@ -2286,7 +2286,7 @@
           <p:cNvPr id="4" name="文本占位符 3">
             <a:extLst>
               <a:ext uri="{FF2B5EF4-FFF2-40B4-BE49-F238E27FC236}">
-                <a16:creationId xmlns:a16="http://schemas.microsoft.com/office/drawing/2014/main" id="{48107125-5BF6-49C1-7E6B-D00A1936EE78}"/>
+                <a16:creationId xmlns:a16="http://schemas.microsoft.com/office/drawing/2014/main" id="{73CCEFE1-EAC7-807C-671D-CE5D40E9BAC7}"/>
               </a:ext>
             </a:extLst>
           </p:cNvPr>
@@ -2357,7 +2357,7 @@
           <p:cNvPr id="5" name="日期占位符 4">
             <a:extLst>
               <a:ext uri="{FF2B5EF4-FFF2-40B4-BE49-F238E27FC236}">
-                <a16:creationId xmlns:a16="http://schemas.microsoft.com/office/drawing/2014/main" id="{AA308AFC-C416-50B5-CD40-9B5169ED5DEE}"/>
+                <a16:creationId xmlns:a16="http://schemas.microsoft.com/office/drawing/2014/main" id="{C026A413-6554-910C-EB3E-C215B9E47700}"/>
               </a:ext>
             </a:extLst>
           </p:cNvPr>
@@ -2373,7 +2373,7 @@
           <a:bodyPr/>
           <a:lstStyle/>
           <a:p>
-            <a:fld id="{6979A600-84A1-49EA-BDCD-B662D39288E4}" type="datetimeFigureOut">
+            <a:fld id="{EF484A12-1459-46ED-B225-2A8CCCDD5D89}" type="datetimeFigureOut">
               <a:rPr lang="zh-CN" altLang="en-US" smtClean="0"/>
               <a:t>2024/3/10</a:t>
             </a:fld>
@@ -2386,7 +2386,7 @@
           <p:cNvPr id="6" name="页脚占位符 5">
             <a:extLst>
               <a:ext uri="{FF2B5EF4-FFF2-40B4-BE49-F238E27FC236}">
-                <a16:creationId xmlns:a16="http://schemas.microsoft.com/office/drawing/2014/main" id="{3BEEA91D-484B-286B-6217-3970BF9A70AB}"/>
+                <a16:creationId xmlns:a16="http://schemas.microsoft.com/office/drawing/2014/main" id="{2A3F61C3-B3E6-24ED-9267-7F447D2B0CE6}"/>
               </a:ext>
             </a:extLst>
           </p:cNvPr>
@@ -2411,7 +2411,7 @@
           <p:cNvPr id="7" name="灯片编号占位符 6">
             <a:extLst>
               <a:ext uri="{FF2B5EF4-FFF2-40B4-BE49-F238E27FC236}">
-                <a16:creationId xmlns:a16="http://schemas.microsoft.com/office/drawing/2014/main" id="{0BCE517F-A754-314E-E1E9-E492F8426A07}"/>
+                <a16:creationId xmlns:a16="http://schemas.microsoft.com/office/drawing/2014/main" id="{61AFCF83-643F-8E6B-4D1C-FD6724F7AADA}"/>
               </a:ext>
             </a:extLst>
           </p:cNvPr>
@@ -2427,7 +2427,7 @@
           <a:bodyPr/>
           <a:lstStyle/>
           <a:p>
-            <a:fld id="{E262B761-3F9A-48A1-BB53-A8195D175728}" type="slidenum">
+            <a:fld id="{6BDEA1DD-5A30-4703-9E3E-6A389442AFDC}" type="slidenum">
               <a:rPr lang="zh-CN" altLang="en-US" smtClean="0"/>
               <a:t>‹#›</a:t>
             </a:fld>
@@ -2438,7 +2438,7 @@
     </p:spTree>
     <p:extLst>
       <p:ext uri="{BB962C8B-B14F-4D97-AF65-F5344CB8AC3E}">
-        <p14:creationId xmlns:p14="http://schemas.microsoft.com/office/powerpoint/2010/main" val="214408491"/>
+        <p14:creationId xmlns:p14="http://schemas.microsoft.com/office/powerpoint/2010/main" val="1879533684"/>
       </p:ext>
     </p:extLst>
   </p:cSld>
@@ -2470,7 +2470,7 @@
           <p:cNvPr id="2" name="标题 1">
             <a:extLst>
               <a:ext uri="{FF2B5EF4-FFF2-40B4-BE49-F238E27FC236}">
-                <a16:creationId xmlns:a16="http://schemas.microsoft.com/office/drawing/2014/main" id="{8B3E85B8-878B-362E-936C-B78625EA8437}"/>
+                <a16:creationId xmlns:a16="http://schemas.microsoft.com/office/drawing/2014/main" id="{8DAF4F60-0518-492F-D592-4551617460C5}"/>
               </a:ext>
             </a:extLst>
           </p:cNvPr>
@@ -2507,7 +2507,7 @@
           <p:cNvPr id="3" name="图片占位符 2">
             <a:extLst>
               <a:ext uri="{FF2B5EF4-FFF2-40B4-BE49-F238E27FC236}">
-                <a16:creationId xmlns:a16="http://schemas.microsoft.com/office/drawing/2014/main" id="{6C6FD672-4F2C-A08F-690F-E0CD7C506AE3}"/>
+                <a16:creationId xmlns:a16="http://schemas.microsoft.com/office/drawing/2014/main" id="{470D0B94-A140-FBC3-B177-A448332567E0}"/>
               </a:ext>
             </a:extLst>
           </p:cNvPr>
@@ -2574,7 +2574,7 @@
           <p:cNvPr id="4" name="文本占位符 3">
             <a:extLst>
               <a:ext uri="{FF2B5EF4-FFF2-40B4-BE49-F238E27FC236}">
-                <a16:creationId xmlns:a16="http://schemas.microsoft.com/office/drawing/2014/main" id="{9A850841-79A6-AAAD-E8B0-93A31CD64080}"/>
+                <a16:creationId xmlns:a16="http://schemas.microsoft.com/office/drawing/2014/main" id="{A236B154-091D-C5F8-CE19-0C7ACA540A2C}"/>
               </a:ext>
             </a:extLst>
           </p:cNvPr>
@@ -2645,7 +2645,7 @@
           <p:cNvPr id="5" name="日期占位符 4">
             <a:extLst>
               <a:ext uri="{FF2B5EF4-FFF2-40B4-BE49-F238E27FC236}">
-                <a16:creationId xmlns:a16="http://schemas.microsoft.com/office/drawing/2014/main" id="{DA083B9E-0365-990D-08A7-DA1F03BD747E}"/>
+                <a16:creationId xmlns:a16="http://schemas.microsoft.com/office/drawing/2014/main" id="{AB2AD982-EC4E-2E4F-6B72-FFC96D98020E}"/>
               </a:ext>
             </a:extLst>
           </p:cNvPr>
@@ -2661,7 +2661,7 @@
           <a:bodyPr/>
           <a:lstStyle/>
           <a:p>
-            <a:fld id="{6979A600-84A1-49EA-BDCD-B662D39288E4}" type="datetimeFigureOut">
+            <a:fld id="{EF484A12-1459-46ED-B225-2A8CCCDD5D89}" type="datetimeFigureOut">
               <a:rPr lang="zh-CN" altLang="en-US" smtClean="0"/>
               <a:t>2024/3/10</a:t>
             </a:fld>
@@ -2674,7 +2674,7 @@
           <p:cNvPr id="6" name="页脚占位符 5">
             <a:extLst>
               <a:ext uri="{FF2B5EF4-FFF2-40B4-BE49-F238E27FC236}">
-                <a16:creationId xmlns:a16="http://schemas.microsoft.com/office/drawing/2014/main" id="{1D811A10-89DB-A566-662F-C63078B8EAFA}"/>
+                <a16:creationId xmlns:a16="http://schemas.microsoft.com/office/drawing/2014/main" id="{38D619AF-8B73-11A3-D5A5-367FB5FCCBAD}"/>
               </a:ext>
             </a:extLst>
           </p:cNvPr>
@@ -2699,7 +2699,7 @@
           <p:cNvPr id="7" name="灯片编号占位符 6">
             <a:extLst>
               <a:ext uri="{FF2B5EF4-FFF2-40B4-BE49-F238E27FC236}">
-                <a16:creationId xmlns:a16="http://schemas.microsoft.com/office/drawing/2014/main" id="{EF058E0F-0CB3-EB05-F42D-4650DB8BFEF4}"/>
+                <a16:creationId xmlns:a16="http://schemas.microsoft.com/office/drawing/2014/main" id="{0C4CC80F-2B47-48BC-6180-0532835BBC5A}"/>
               </a:ext>
             </a:extLst>
           </p:cNvPr>
@@ -2715,7 +2715,7 @@
           <a:bodyPr/>
           <a:lstStyle/>
           <a:p>
-            <a:fld id="{E262B761-3F9A-48A1-BB53-A8195D175728}" type="slidenum">
+            <a:fld id="{6BDEA1DD-5A30-4703-9E3E-6A389442AFDC}" type="slidenum">
               <a:rPr lang="zh-CN" altLang="en-US" smtClean="0"/>
               <a:t>‹#›</a:t>
             </a:fld>
@@ -2726,7 +2726,7 @@
     </p:spTree>
     <p:extLst>
       <p:ext uri="{BB962C8B-B14F-4D97-AF65-F5344CB8AC3E}">
-        <p14:creationId xmlns:p14="http://schemas.microsoft.com/office/powerpoint/2010/main" val="3800745158"/>
+        <p14:creationId xmlns:p14="http://schemas.microsoft.com/office/powerpoint/2010/main" val="4286025834"/>
       </p:ext>
     </p:extLst>
   </p:cSld>
@@ -2763,7 +2763,7 @@
           <p:cNvPr id="2" name="标题占位符 1">
             <a:extLst>
               <a:ext uri="{FF2B5EF4-FFF2-40B4-BE49-F238E27FC236}">
-                <a16:creationId xmlns:a16="http://schemas.microsoft.com/office/drawing/2014/main" id="{886AFC16-C3F2-2DC9-0236-D4F1CD8672D3}"/>
+                <a16:creationId xmlns:a16="http://schemas.microsoft.com/office/drawing/2014/main" id="{CA2227F7-0AED-95BD-E03F-5AC287DB0A5C}"/>
               </a:ext>
             </a:extLst>
           </p:cNvPr>
@@ -2801,7 +2801,7 @@
           <p:cNvPr id="3" name="文本占位符 2">
             <a:extLst>
               <a:ext uri="{FF2B5EF4-FFF2-40B4-BE49-F238E27FC236}">
-                <a16:creationId xmlns:a16="http://schemas.microsoft.com/office/drawing/2014/main" id="{4FC927BE-12F0-8E82-8F2A-085DB3576FAD}"/>
+                <a16:creationId xmlns:a16="http://schemas.microsoft.com/office/drawing/2014/main" id="{3C0BA4D9-F3C0-68DD-99E6-01F172ECAC9C}"/>
               </a:ext>
             </a:extLst>
           </p:cNvPr>
@@ -2868,7 +2868,7 @@
           <p:cNvPr id="4" name="日期占位符 3">
             <a:extLst>
               <a:ext uri="{FF2B5EF4-FFF2-40B4-BE49-F238E27FC236}">
-                <a16:creationId xmlns:a16="http://schemas.microsoft.com/office/drawing/2014/main" id="{FE6AA4E4-9072-5062-CA80-7F0255469CAC}"/>
+                <a16:creationId xmlns:a16="http://schemas.microsoft.com/office/drawing/2014/main" id="{6F5D6406-D901-E51D-8313-4444984ACBEF}"/>
               </a:ext>
             </a:extLst>
           </p:cNvPr>
@@ -2902,7 +2902,7 @@
             </a:lvl1pPr>
           </a:lstStyle>
           <a:p>
-            <a:fld id="{6979A600-84A1-49EA-BDCD-B662D39288E4}" type="datetimeFigureOut">
+            <a:fld id="{EF484A12-1459-46ED-B225-2A8CCCDD5D89}" type="datetimeFigureOut">
               <a:rPr lang="zh-CN" altLang="en-US" smtClean="0"/>
               <a:t>2024/3/10</a:t>
             </a:fld>
@@ -2915,7 +2915,7 @@
           <p:cNvPr id="5" name="页脚占位符 4">
             <a:extLst>
               <a:ext uri="{FF2B5EF4-FFF2-40B4-BE49-F238E27FC236}">
-                <a16:creationId xmlns:a16="http://schemas.microsoft.com/office/drawing/2014/main" id="{33AFE934-622F-064A-6E21-3FB9C291081D}"/>
+                <a16:creationId xmlns:a16="http://schemas.microsoft.com/office/drawing/2014/main" id="{286FA1D9-62E0-9AD9-7BA0-1F87E1A7B790}"/>
               </a:ext>
             </a:extLst>
           </p:cNvPr>
@@ -2958,7 +2958,7 @@
           <p:cNvPr id="6" name="灯片编号占位符 5">
             <a:extLst>
               <a:ext uri="{FF2B5EF4-FFF2-40B4-BE49-F238E27FC236}">
-                <a16:creationId xmlns:a16="http://schemas.microsoft.com/office/drawing/2014/main" id="{9B5FF924-D264-718B-4265-AEC605A50243}"/>
+                <a16:creationId xmlns:a16="http://schemas.microsoft.com/office/drawing/2014/main" id="{F4BF7E7A-8C7D-C34A-E57E-8456B731378B}"/>
               </a:ext>
             </a:extLst>
           </p:cNvPr>
@@ -2992,7 +2992,7 @@
             </a:lvl1pPr>
           </a:lstStyle>
           <a:p>
-            <a:fld id="{E262B761-3F9A-48A1-BB53-A8195D175728}" type="slidenum">
+            <a:fld id="{6BDEA1DD-5A30-4703-9E3E-6A389442AFDC}" type="slidenum">
               <a:rPr lang="zh-CN" altLang="en-US" smtClean="0"/>
               <a:t>‹#›</a:t>
             </a:fld>
@@ -3003,7 +3003,7 @@
     </p:spTree>
     <p:extLst>
       <p:ext uri="{BB962C8B-B14F-4D97-AF65-F5344CB8AC3E}">
-        <p14:creationId xmlns:p14="http://schemas.microsoft.com/office/powerpoint/2010/main" val="3717088777"/>
+        <p14:creationId xmlns:p14="http://schemas.microsoft.com/office/powerpoint/2010/main" val="2413529934"/>
       </p:ext>
     </p:extLst>
   </p:cSld>
